--- a/Calendario2022/Presentaciones/9_Capa_fisica.pptx
+++ b/Calendario2022/Presentaciones/9_Capa_fisica.pptx
@@ -226,7 +226,7 @@
           <a:p>
             <a:fld id="{2D445F07-8756-451B-A938-0248325FC7BB}" type="datetimeFigureOut">
               <a:rPr lang="es-MX" smtClean="0"/>
-              <a:t>18/05/2022</a:t>
+              <a:t>19/05/2022</a:t>
             </a:fld>
             <a:endParaRPr lang="es-MX" dirty="0"/>
           </a:p>
@@ -3855,7 +3855,7 @@
           <a:p>
             <a:fld id="{5E75A0DC-66C6-4CEC-A5EB-F8C97CEC3796}" type="datetimeFigureOut">
               <a:rPr lang="es-MX" smtClean="0"/>
-              <a:t>18/05/2022</a:t>
+              <a:t>19/05/2022</a:t>
             </a:fld>
             <a:endParaRPr lang="es-MX" dirty="0"/>
           </a:p>
@@ -4025,7 +4025,7 @@
           <a:p>
             <a:fld id="{5E75A0DC-66C6-4CEC-A5EB-F8C97CEC3796}" type="datetimeFigureOut">
               <a:rPr lang="es-MX" smtClean="0"/>
-              <a:t>18/05/2022</a:t>
+              <a:t>19/05/2022</a:t>
             </a:fld>
             <a:endParaRPr lang="es-MX" dirty="0"/>
           </a:p>
@@ -4205,7 +4205,7 @@
           <a:p>
             <a:fld id="{5E75A0DC-66C6-4CEC-A5EB-F8C97CEC3796}" type="datetimeFigureOut">
               <a:rPr lang="es-MX" smtClean="0"/>
-              <a:t>18/05/2022</a:t>
+              <a:t>19/05/2022</a:t>
             </a:fld>
             <a:endParaRPr lang="es-MX" dirty="0"/>
           </a:p>
@@ -4375,7 +4375,7 @@
           <a:p>
             <a:fld id="{5E75A0DC-66C6-4CEC-A5EB-F8C97CEC3796}" type="datetimeFigureOut">
               <a:rPr lang="es-MX" smtClean="0"/>
-              <a:t>18/05/2022</a:t>
+              <a:t>19/05/2022</a:t>
             </a:fld>
             <a:endParaRPr lang="es-MX" dirty="0"/>
           </a:p>
@@ -4621,7 +4621,7 @@
           <a:p>
             <a:fld id="{5E75A0DC-66C6-4CEC-A5EB-F8C97CEC3796}" type="datetimeFigureOut">
               <a:rPr lang="es-MX" smtClean="0"/>
-              <a:t>18/05/2022</a:t>
+              <a:t>19/05/2022</a:t>
             </a:fld>
             <a:endParaRPr lang="es-MX" dirty="0"/>
           </a:p>
@@ -4909,7 +4909,7 @@
           <a:p>
             <a:fld id="{5E75A0DC-66C6-4CEC-A5EB-F8C97CEC3796}" type="datetimeFigureOut">
               <a:rPr lang="es-MX" smtClean="0"/>
-              <a:t>18/05/2022</a:t>
+              <a:t>19/05/2022</a:t>
             </a:fld>
             <a:endParaRPr lang="es-MX" dirty="0"/>
           </a:p>
@@ -5331,7 +5331,7 @@
           <a:p>
             <a:fld id="{5E75A0DC-66C6-4CEC-A5EB-F8C97CEC3796}" type="datetimeFigureOut">
               <a:rPr lang="es-MX" smtClean="0"/>
-              <a:t>18/05/2022</a:t>
+              <a:t>19/05/2022</a:t>
             </a:fld>
             <a:endParaRPr lang="es-MX" dirty="0"/>
           </a:p>
@@ -5449,7 +5449,7 @@
           <a:p>
             <a:fld id="{5E75A0DC-66C6-4CEC-A5EB-F8C97CEC3796}" type="datetimeFigureOut">
               <a:rPr lang="es-MX" smtClean="0"/>
-              <a:t>18/05/2022</a:t>
+              <a:t>19/05/2022</a:t>
             </a:fld>
             <a:endParaRPr lang="es-MX" dirty="0"/>
           </a:p>
@@ -5544,7 +5544,7 @@
           <a:p>
             <a:fld id="{5E75A0DC-66C6-4CEC-A5EB-F8C97CEC3796}" type="datetimeFigureOut">
               <a:rPr lang="es-MX" smtClean="0"/>
-              <a:t>18/05/2022</a:t>
+              <a:t>19/05/2022</a:t>
             </a:fld>
             <a:endParaRPr lang="es-MX" dirty="0"/>
           </a:p>
@@ -5821,7 +5821,7 @@
           <a:p>
             <a:fld id="{5E75A0DC-66C6-4CEC-A5EB-F8C97CEC3796}" type="datetimeFigureOut">
               <a:rPr lang="es-MX" smtClean="0"/>
-              <a:t>18/05/2022</a:t>
+              <a:t>19/05/2022</a:t>
             </a:fld>
             <a:endParaRPr lang="es-MX" dirty="0"/>
           </a:p>
@@ -6074,7 +6074,7 @@
           <a:p>
             <a:fld id="{5E75A0DC-66C6-4CEC-A5EB-F8C97CEC3796}" type="datetimeFigureOut">
               <a:rPr lang="es-MX" smtClean="0"/>
-              <a:t>18/05/2022</a:t>
+              <a:t>19/05/2022</a:t>
             </a:fld>
             <a:endParaRPr lang="es-MX" dirty="0"/>
           </a:p>
@@ -6287,7 +6287,7 @@
           <a:p>
             <a:fld id="{5E75A0DC-66C6-4CEC-A5EB-F8C97CEC3796}" type="datetimeFigureOut">
               <a:rPr lang="es-MX" smtClean="0"/>
-              <a:t>18/05/2022</a:t>
+              <a:t>19/05/2022</a:t>
             </a:fld>
             <a:endParaRPr lang="es-MX" dirty="0"/>
           </a:p>
@@ -11428,6 +11428,51 @@
                       </p:childTnLst>
                     </p:cTn>
                   </p:par>
+                  <p:par>
+                    <p:cTn id="13" fill="hold">
+                      <p:stCondLst>
+                        <p:cond delay="indefinite"/>
+                      </p:stCondLst>
+                      <p:childTnLst>
+                        <p:par>
+                          <p:cTn id="14" fill="hold">
+                            <p:stCondLst>
+                              <p:cond delay="0"/>
+                            </p:stCondLst>
+                            <p:childTnLst>
+                              <p:par>
+                                <p:cTn id="15" presetID="1" presetClass="entr" presetSubtype="0" fill="hold" grpId="0" nodeType="clickEffect">
+                                  <p:stCondLst>
+                                    <p:cond delay="0"/>
+                                  </p:stCondLst>
+                                  <p:childTnLst>
+                                    <p:set>
+                                      <p:cBhvr>
+                                        <p:cTn id="16" dur="1" fill="hold">
+                                          <p:stCondLst>
+                                            <p:cond delay="0"/>
+                                          </p:stCondLst>
+                                        </p:cTn>
+                                        <p:tgtEl>
+                                          <p:spTgt spid="2"/>
+                                        </p:tgtEl>
+                                        <p:attrNameLst>
+                                          <p:attrName>style.visibility</p:attrName>
+                                        </p:attrNameLst>
+                                      </p:cBhvr>
+                                      <p:to>
+                                        <p:strVal val="visible"/>
+                                      </p:to>
+                                    </p:set>
+                                  </p:childTnLst>
+                                </p:cTn>
+                              </p:par>
+                            </p:childTnLst>
+                          </p:cTn>
+                        </p:par>
+                      </p:childTnLst>
+                    </p:cTn>
+                  </p:par>
                 </p:childTnLst>
               </p:cTn>
               <p:prevCondLst>
@@ -11452,6 +11497,7 @@
     <p:bldLst>
       <p:bldP spid="19461" grpId="0"/>
       <p:bldP spid="11" grpId="0"/>
+      <p:bldP spid="2" grpId="0"/>
     </p:bldLst>
   </p:timing>
 </p:sld>
@@ -12617,7 +12663,7 @@
           <a:graphicData uri="http://schemas.openxmlformats.org/presentationml/2006/ole">
             <mc:AlternateContent xmlns:mc="http://schemas.openxmlformats.org/markup-compatibility/2006">
               <mc:Choice xmlns:v="urn:schemas-microsoft-com:vml" Requires="v">
-                <p:oleObj spid="_x0000_s33805" name="Bitmap Image" r:id="rId4" imgW="3848142" imgH="3076257" progId="Paint.Picture">
+                <p:oleObj spid="_x0000_s33807" name="Bitmap Image" r:id="rId4" imgW="3848142" imgH="3076257" progId="Paint.Picture">
                   <p:embed/>
                 </p:oleObj>
               </mc:Choice>
@@ -13243,7 +13289,7 @@
           <a:graphicData uri="http://schemas.openxmlformats.org/presentationml/2006/ole">
             <mc:AlternateContent xmlns:mc="http://schemas.openxmlformats.org/markup-compatibility/2006">
               <mc:Choice xmlns:v="urn:schemas-microsoft-com:vml" Requires="v">
-                <p:oleObj spid="_x0000_s33806" name="Imagen" r:id="rId6" imgW="3676650" imgH="1965325" progId="MS_ClipArt_Gallery.2">
+                <p:oleObj spid="_x0000_s33808" name="Imagen" r:id="rId6" imgW="3676650" imgH="1965325" progId="MS_ClipArt_Gallery.2">
                   <p:embed/>
                 </p:oleObj>
               </mc:Choice>
@@ -13342,7 +13388,7 @@
                                           </p:stCondLst>
                                         </p:cTn>
                                         <p:tgtEl>
-                                          <p:spTgt spid="9"/>
+                                          <p:spTgt spid="7"/>
                                         </p:tgtEl>
                                         <p:attrNameLst>
                                           <p:attrName>style.visibility</p:attrName>
@@ -13356,7 +13402,7 @@
                                       <p:cBhvr>
                                         <p:cTn id="7" dur="500"/>
                                         <p:tgtEl>
-                                          <p:spTgt spid="9"/>
+                                          <p:spTgt spid="7"/>
                                         </p:tgtEl>
                                       </p:cBhvr>
                                     </p:animEffect>
@@ -13395,7 +13441,7 @@
                                           </p:stCondLst>
                                         </p:cTn>
                                         <p:tgtEl>
-                                          <p:spTgt spid="10"/>
+                                          <p:spTgt spid="12"/>
                                         </p:tgtEl>
                                         <p:attrNameLst>
                                           <p:attrName>style.visibility</p:attrName>
@@ -13409,7 +13455,7 @@
                                       <p:cBhvr>
                                         <p:cTn id="12" dur="500"/>
                                         <p:tgtEl>
-                                          <p:spTgt spid="10"/>
+                                          <p:spTgt spid="12"/>
                                         </p:tgtEl>
                                       </p:cBhvr>
                                     </p:animEffect>
@@ -13448,7 +13494,7 @@
                                           </p:stCondLst>
                                         </p:cTn>
                                         <p:tgtEl>
-                                          <p:spTgt spid="7"/>
+                                          <p:spTgt spid="9"/>
                                         </p:tgtEl>
                                         <p:attrNameLst>
                                           <p:attrName>style.visibility</p:attrName>
@@ -13462,7 +13508,7 @@
                                       <p:cBhvr>
                                         <p:cTn id="17" dur="500"/>
                                         <p:tgtEl>
-                                          <p:spTgt spid="7"/>
+                                          <p:spTgt spid="9"/>
                                         </p:tgtEl>
                                       </p:cBhvr>
                                     </p:animEffect>
@@ -13501,7 +13547,7 @@
                                           </p:stCondLst>
                                         </p:cTn>
                                         <p:tgtEl>
-                                          <p:spTgt spid="12"/>
+                                          <p:spTgt spid="10"/>
                                         </p:tgtEl>
                                         <p:attrNameLst>
                                           <p:attrName>style.visibility</p:attrName>
@@ -13515,7 +13561,7 @@
                                       <p:cBhvr>
                                         <p:cTn id="22" dur="500"/>
                                         <p:tgtEl>
-                                          <p:spTgt spid="12"/>
+                                          <p:spTgt spid="10"/>
                                         </p:tgtEl>
                                       </p:cBhvr>
                                     </p:animEffect>
@@ -14046,6 +14092,51 @@
                       </p:childTnLst>
                     </p:cTn>
                   </p:par>
+                  <p:par>
+                    <p:cTn id="8" fill="hold">
+                      <p:stCondLst>
+                        <p:cond delay="indefinite"/>
+                      </p:stCondLst>
+                      <p:childTnLst>
+                        <p:par>
+                          <p:cTn id="9" fill="hold">
+                            <p:stCondLst>
+                              <p:cond delay="0"/>
+                            </p:stCondLst>
+                            <p:childTnLst>
+                              <p:par>
+                                <p:cTn id="10" presetID="1" presetClass="entr" presetSubtype="0" fill="hold" grpId="0" nodeType="clickEffect">
+                                  <p:stCondLst>
+                                    <p:cond delay="0"/>
+                                  </p:stCondLst>
+                                  <p:childTnLst>
+                                    <p:set>
+                                      <p:cBhvr>
+                                        <p:cTn id="11" dur="1" fill="hold">
+                                          <p:stCondLst>
+                                            <p:cond delay="0"/>
+                                          </p:stCondLst>
+                                        </p:cTn>
+                                        <p:tgtEl>
+                                          <p:spTgt spid="5"/>
+                                        </p:tgtEl>
+                                        <p:attrNameLst>
+                                          <p:attrName>style.visibility</p:attrName>
+                                        </p:attrNameLst>
+                                      </p:cBhvr>
+                                      <p:to>
+                                        <p:strVal val="visible"/>
+                                      </p:to>
+                                    </p:set>
+                                  </p:childTnLst>
+                                </p:cTn>
+                              </p:par>
+                            </p:childTnLst>
+                          </p:cTn>
+                        </p:par>
+                      </p:childTnLst>
+                    </p:cTn>
+                  </p:par>
                 </p:childTnLst>
               </p:cTn>
               <p:prevCondLst>
@@ -14069,6 +14160,7 @@
     </p:tnLst>
     <p:bldLst>
       <p:bldP spid="19461" grpId="0"/>
+      <p:bldP spid="5" grpId="0"/>
     </p:bldLst>
   </p:timing>
 </p:sld>
@@ -14320,6 +14412,116 @@
   <p:clrMapOvr>
     <a:masterClrMapping/>
   </p:clrMapOvr>
+  <p:timing>
+    <p:tnLst>
+      <p:par>
+        <p:cTn id="1" dur="indefinite" restart="never" nodeType="tmRoot">
+          <p:childTnLst>
+            <p:seq concurrent="1" nextAc="seek">
+              <p:cTn id="2" dur="indefinite" nodeType="mainSeq">
+                <p:childTnLst>
+                  <p:par>
+                    <p:cTn id="3" fill="hold">
+                      <p:stCondLst>
+                        <p:cond delay="indefinite"/>
+                      </p:stCondLst>
+                      <p:childTnLst>
+                        <p:par>
+                          <p:cTn id="4" fill="hold">
+                            <p:stCondLst>
+                              <p:cond delay="0"/>
+                            </p:stCondLst>
+                            <p:childTnLst>
+                              <p:par>
+                                <p:cTn id="5" presetID="1" presetClass="entr" presetSubtype="0" fill="hold" nodeType="clickEffect">
+                                  <p:stCondLst>
+                                    <p:cond delay="0"/>
+                                  </p:stCondLst>
+                                  <p:childTnLst>
+                                    <p:set>
+                                      <p:cBhvr>
+                                        <p:cTn id="6" dur="1" fill="hold">
+                                          <p:stCondLst>
+                                            <p:cond delay="0"/>
+                                          </p:stCondLst>
+                                        </p:cTn>
+                                        <p:tgtEl>
+                                          <p:spTgt spid="5">
+                                            <p:txEl>
+                                              <p:pRg st="0" end="0"/>
+                                            </p:txEl>
+                                          </p:spTgt>
+                                        </p:tgtEl>
+                                        <p:attrNameLst>
+                                          <p:attrName>style.visibility</p:attrName>
+                                        </p:attrNameLst>
+                                      </p:cBhvr>
+                                      <p:to>
+                                        <p:strVal val="visible"/>
+                                      </p:to>
+                                    </p:set>
+                                  </p:childTnLst>
+                                </p:cTn>
+                              </p:par>
+                              <p:par>
+                                <p:cTn id="7" presetID="1" presetClass="entr" presetSubtype="0" fill="hold" nodeType="withEffect">
+                                  <p:stCondLst>
+                                    <p:cond delay="0"/>
+                                  </p:stCondLst>
+                                  <p:childTnLst>
+                                    <p:set>
+                                      <p:cBhvr>
+                                        <p:cTn id="8" dur="1" fill="hold">
+                                          <p:stCondLst>
+                                            <p:cond delay="0"/>
+                                          </p:stCondLst>
+                                        </p:cTn>
+                                        <p:tgtEl>
+                                          <p:spTgt spid="5">
+                                            <p:txEl>
+                                              <p:pRg st="1" end="1"/>
+                                            </p:txEl>
+                                          </p:spTgt>
+                                        </p:tgtEl>
+                                        <p:attrNameLst>
+                                          <p:attrName>style.visibility</p:attrName>
+                                        </p:attrNameLst>
+                                      </p:cBhvr>
+                                      <p:to>
+                                        <p:strVal val="visible"/>
+                                      </p:to>
+                                    </p:set>
+                                  </p:childTnLst>
+                                </p:cTn>
+                              </p:par>
+                            </p:childTnLst>
+                          </p:cTn>
+                        </p:par>
+                      </p:childTnLst>
+                    </p:cTn>
+                  </p:par>
+                </p:childTnLst>
+              </p:cTn>
+              <p:prevCondLst>
+                <p:cond evt="onPrev" delay="0">
+                  <p:tgtEl>
+                    <p:sldTgt/>
+                  </p:tgtEl>
+                </p:cond>
+              </p:prevCondLst>
+              <p:nextCondLst>
+                <p:cond evt="onNext" delay="0">
+                  <p:tgtEl>
+                    <p:sldTgt/>
+                  </p:tgtEl>
+                </p:cond>
+              </p:nextCondLst>
+            </p:seq>
+          </p:childTnLst>
+        </p:cTn>
+      </p:par>
+    </p:tnLst>
+  </p:timing>
 </p:sld>
 </file>
 
@@ -15492,7 +15694,7 @@
                                           </p:stCondLst>
                                         </p:cTn>
                                         <p:tgtEl>
-                                          <p:spTgt spid="32775"/>
+                                          <p:spTgt spid="14"/>
                                         </p:tgtEl>
                                         <p:attrNameLst>
                                           <p:attrName>style.visibility</p:attrName>
@@ -15506,7 +15708,7 @@
                                       <p:cBhvr>
                                         <p:cTn id="12" dur="500"/>
                                         <p:tgtEl>
-                                          <p:spTgt spid="32775"/>
+                                          <p:spTgt spid="14"/>
                                         </p:tgtEl>
                                       </p:cBhvr>
                                     </p:animEffect>
@@ -15545,7 +15747,7 @@
                                           </p:stCondLst>
                                         </p:cTn>
                                         <p:tgtEl>
-                                          <p:spTgt spid="14"/>
+                                          <p:spTgt spid="32775"/>
                                         </p:tgtEl>
                                         <p:attrNameLst>
                                           <p:attrName>style.visibility</p:attrName>
@@ -15559,7 +15761,7 @@
                                       <p:cBhvr>
                                         <p:cTn id="17" dur="500"/>
                                         <p:tgtEl>
-                                          <p:spTgt spid="14"/>
+                                          <p:spTgt spid="32775"/>
                                         </p:tgtEl>
                                       </p:cBhvr>
                                     </p:animEffect>
@@ -19578,6 +19780,280 @@
                                           </p:stCondLst>
                                         </p:cTn>
                                         <p:tgtEl>
+                                          <p:spTgt spid="28"/>
+                                        </p:tgtEl>
+                                        <p:attrNameLst>
+                                          <p:attrName>style.visibility</p:attrName>
+                                        </p:attrNameLst>
+                                      </p:cBhvr>
+                                      <p:to>
+                                        <p:strVal val="visible"/>
+                                      </p:to>
+                                    </p:set>
+                                    <p:anim calcmode="lin" valueType="num">
+                                      <p:cBhvr>
+                                        <p:cTn id="7" dur="1000" fill="hold"/>
+                                        <p:tgtEl>
+                                          <p:spTgt spid="28"/>
+                                        </p:tgtEl>
+                                        <p:attrNameLst>
+                                          <p:attrName>ppt_w</p:attrName>
+                                        </p:attrNameLst>
+                                      </p:cBhvr>
+                                      <p:tavLst>
+                                        <p:tav tm="0">
+                                          <p:val>
+                                            <p:fltVal val="0"/>
+                                          </p:val>
+                                        </p:tav>
+                                        <p:tav tm="100000">
+                                          <p:val>
+                                            <p:strVal val="#ppt_w"/>
+                                          </p:val>
+                                        </p:tav>
+                                      </p:tavLst>
+                                    </p:anim>
+                                    <p:anim calcmode="lin" valueType="num">
+                                      <p:cBhvr>
+                                        <p:cTn id="8" dur="1000" fill="hold"/>
+                                        <p:tgtEl>
+                                          <p:spTgt spid="28"/>
+                                        </p:tgtEl>
+                                        <p:attrNameLst>
+                                          <p:attrName>ppt_h</p:attrName>
+                                        </p:attrNameLst>
+                                      </p:cBhvr>
+                                      <p:tavLst>
+                                        <p:tav tm="0">
+                                          <p:val>
+                                            <p:fltVal val="0"/>
+                                          </p:val>
+                                        </p:tav>
+                                        <p:tav tm="100000">
+                                          <p:val>
+                                            <p:strVal val="#ppt_h"/>
+                                          </p:val>
+                                        </p:tav>
+                                      </p:tavLst>
+                                    </p:anim>
+                                    <p:anim calcmode="lin" valueType="num">
+                                      <p:cBhvr>
+                                        <p:cTn id="9" dur="1000" fill="hold"/>
+                                        <p:tgtEl>
+                                          <p:spTgt spid="28"/>
+                                        </p:tgtEl>
+                                        <p:attrNameLst>
+                                          <p:attrName>ppt_x</p:attrName>
+                                        </p:attrNameLst>
+                                      </p:cBhvr>
+                                      <p:tavLst>
+                                        <p:tav tm="0" fmla="#ppt_x+(cos(-2*pi*(1-$))*-#ppt_x-sin(-2*pi*(1-$))*(1-#ppt_y))*(1-$)">
+                                          <p:val>
+                                            <p:fltVal val="0"/>
+                                          </p:val>
+                                        </p:tav>
+                                        <p:tav tm="100000">
+                                          <p:val>
+                                            <p:fltVal val="1"/>
+                                          </p:val>
+                                        </p:tav>
+                                      </p:tavLst>
+                                    </p:anim>
+                                    <p:anim calcmode="lin" valueType="num">
+                                      <p:cBhvr>
+                                        <p:cTn id="10" dur="1000" fill="hold"/>
+                                        <p:tgtEl>
+                                          <p:spTgt spid="28"/>
+                                        </p:tgtEl>
+                                        <p:attrNameLst>
+                                          <p:attrName>ppt_y</p:attrName>
+                                        </p:attrNameLst>
+                                      </p:cBhvr>
+                                      <p:tavLst>
+                                        <p:tav tm="0" fmla="#ppt_y+(sin(-2*pi*(1-$))*-#ppt_x+cos(-2*pi*(1-$))*(1-#ppt_y))*(1-$)">
+                                          <p:val>
+                                            <p:fltVal val="0"/>
+                                          </p:val>
+                                        </p:tav>
+                                        <p:tav tm="100000">
+                                          <p:val>
+                                            <p:fltVal val="1"/>
+                                          </p:val>
+                                        </p:tav>
+                                      </p:tavLst>
+                                    </p:anim>
+                                  </p:childTnLst>
+                                </p:cTn>
+                              </p:par>
+                            </p:childTnLst>
+                          </p:cTn>
+                        </p:par>
+                      </p:childTnLst>
+                    </p:cTn>
+                  </p:par>
+                  <p:par>
+                    <p:cTn id="11" fill="hold">
+                      <p:stCondLst>
+                        <p:cond delay="indefinite"/>
+                      </p:stCondLst>
+                      <p:childTnLst>
+                        <p:par>
+                          <p:cTn id="12" fill="hold">
+                            <p:stCondLst>
+                              <p:cond delay="0"/>
+                            </p:stCondLst>
+                            <p:childTnLst>
+                              <p:par>
+                                <p:cTn id="13" presetID="15" presetClass="entr" presetSubtype="0" fill="hold" grpId="0" nodeType="clickEffect">
+                                  <p:stCondLst>
+                                    <p:cond delay="0"/>
+                                  </p:stCondLst>
+                                  <p:childTnLst>
+                                    <p:set>
+                                      <p:cBhvr>
+                                        <p:cTn id="14" dur="1" fill="hold">
+                                          <p:stCondLst>
+                                            <p:cond delay="0"/>
+                                          </p:stCondLst>
+                                        </p:cTn>
+                                        <p:tgtEl>
+                                          <p:spTgt spid="29"/>
+                                        </p:tgtEl>
+                                        <p:attrNameLst>
+                                          <p:attrName>style.visibility</p:attrName>
+                                        </p:attrNameLst>
+                                      </p:cBhvr>
+                                      <p:to>
+                                        <p:strVal val="visible"/>
+                                      </p:to>
+                                    </p:set>
+                                    <p:anim calcmode="lin" valueType="num">
+                                      <p:cBhvr>
+                                        <p:cTn id="15" dur="1000" fill="hold"/>
+                                        <p:tgtEl>
+                                          <p:spTgt spid="29"/>
+                                        </p:tgtEl>
+                                        <p:attrNameLst>
+                                          <p:attrName>ppt_w</p:attrName>
+                                        </p:attrNameLst>
+                                      </p:cBhvr>
+                                      <p:tavLst>
+                                        <p:tav tm="0">
+                                          <p:val>
+                                            <p:fltVal val="0"/>
+                                          </p:val>
+                                        </p:tav>
+                                        <p:tav tm="100000">
+                                          <p:val>
+                                            <p:strVal val="#ppt_w"/>
+                                          </p:val>
+                                        </p:tav>
+                                      </p:tavLst>
+                                    </p:anim>
+                                    <p:anim calcmode="lin" valueType="num">
+                                      <p:cBhvr>
+                                        <p:cTn id="16" dur="1000" fill="hold"/>
+                                        <p:tgtEl>
+                                          <p:spTgt spid="29"/>
+                                        </p:tgtEl>
+                                        <p:attrNameLst>
+                                          <p:attrName>ppt_h</p:attrName>
+                                        </p:attrNameLst>
+                                      </p:cBhvr>
+                                      <p:tavLst>
+                                        <p:tav tm="0">
+                                          <p:val>
+                                            <p:fltVal val="0"/>
+                                          </p:val>
+                                        </p:tav>
+                                        <p:tav tm="100000">
+                                          <p:val>
+                                            <p:strVal val="#ppt_h"/>
+                                          </p:val>
+                                        </p:tav>
+                                      </p:tavLst>
+                                    </p:anim>
+                                    <p:anim calcmode="lin" valueType="num">
+                                      <p:cBhvr>
+                                        <p:cTn id="17" dur="1000" fill="hold"/>
+                                        <p:tgtEl>
+                                          <p:spTgt spid="29"/>
+                                        </p:tgtEl>
+                                        <p:attrNameLst>
+                                          <p:attrName>ppt_x</p:attrName>
+                                        </p:attrNameLst>
+                                      </p:cBhvr>
+                                      <p:tavLst>
+                                        <p:tav tm="0" fmla="#ppt_x+(cos(-2*pi*(1-$))*-#ppt_x-sin(-2*pi*(1-$))*(1-#ppt_y))*(1-$)">
+                                          <p:val>
+                                            <p:fltVal val="0"/>
+                                          </p:val>
+                                        </p:tav>
+                                        <p:tav tm="100000">
+                                          <p:val>
+                                            <p:fltVal val="1"/>
+                                          </p:val>
+                                        </p:tav>
+                                      </p:tavLst>
+                                    </p:anim>
+                                    <p:anim calcmode="lin" valueType="num">
+                                      <p:cBhvr>
+                                        <p:cTn id="18" dur="1000" fill="hold"/>
+                                        <p:tgtEl>
+                                          <p:spTgt spid="29"/>
+                                        </p:tgtEl>
+                                        <p:attrNameLst>
+                                          <p:attrName>ppt_y</p:attrName>
+                                        </p:attrNameLst>
+                                      </p:cBhvr>
+                                      <p:tavLst>
+                                        <p:tav tm="0" fmla="#ppt_y+(sin(-2*pi*(1-$))*-#ppt_x+cos(-2*pi*(1-$))*(1-#ppt_y))*(1-$)">
+                                          <p:val>
+                                            <p:fltVal val="0"/>
+                                          </p:val>
+                                        </p:tav>
+                                        <p:tav tm="100000">
+                                          <p:val>
+                                            <p:fltVal val="1"/>
+                                          </p:val>
+                                        </p:tav>
+                                      </p:tavLst>
+                                    </p:anim>
+                                  </p:childTnLst>
+                                </p:cTn>
+                              </p:par>
+                            </p:childTnLst>
+                          </p:cTn>
+                        </p:par>
+                      </p:childTnLst>
+                    </p:cTn>
+                  </p:par>
+                  <p:par>
+                    <p:cTn id="19" fill="hold">
+                      <p:stCondLst>
+                        <p:cond delay="indefinite"/>
+                      </p:stCondLst>
+                      <p:childTnLst>
+                        <p:par>
+                          <p:cTn id="20" fill="hold">
+                            <p:stCondLst>
+                              <p:cond delay="0"/>
+                            </p:stCondLst>
+                            <p:childTnLst>
+                              <p:par>
+                                <p:cTn id="21" presetID="15" presetClass="entr" presetSubtype="0" fill="hold" grpId="0" nodeType="clickEffect">
+                                  <p:stCondLst>
+                                    <p:cond delay="0"/>
+                                  </p:stCondLst>
+                                  <p:childTnLst>
+                                    <p:set>
+                                      <p:cBhvr>
+                                        <p:cTn id="22" dur="1" fill="hold">
+                                          <p:stCondLst>
+                                            <p:cond delay="0"/>
+                                          </p:stCondLst>
+                                        </p:cTn>
+                                        <p:tgtEl>
                                           <p:spTgt spid="20"/>
                                         </p:tgtEl>
                                         <p:attrNameLst>
@@ -19590,7 +20066,7 @@
                                     </p:set>
                                     <p:anim calcmode="lin" valueType="num">
                                       <p:cBhvr>
-                                        <p:cTn id="7" dur="1000" fill="hold"/>
+                                        <p:cTn id="23" dur="1000" fill="hold"/>
                                         <p:tgtEl>
                                           <p:spTgt spid="20"/>
                                         </p:tgtEl>
@@ -19613,7 +20089,7 @@
                                     </p:anim>
                                     <p:anim calcmode="lin" valueType="num">
                                       <p:cBhvr>
-                                        <p:cTn id="8" dur="1000" fill="hold"/>
+                                        <p:cTn id="24" dur="1000" fill="hold"/>
                                         <p:tgtEl>
                                           <p:spTgt spid="20"/>
                                         </p:tgtEl>
@@ -19636,7 +20112,7 @@
                                     </p:anim>
                                     <p:anim calcmode="lin" valueType="num">
                                       <p:cBhvr>
-                                        <p:cTn id="9" dur="1000" fill="hold"/>
+                                        <p:cTn id="25" dur="1000" fill="hold"/>
                                         <p:tgtEl>
                                           <p:spTgt spid="20"/>
                                         </p:tgtEl>
@@ -19659,7 +20135,7 @@
                                     </p:anim>
                                     <p:anim calcmode="lin" valueType="num">
                                       <p:cBhvr>
-                                        <p:cTn id="10" dur="1000" fill="hold"/>
+                                        <p:cTn id="26" dur="1000" fill="hold"/>
                                         <p:tgtEl>
                                           <p:spTgt spid="20"/>
                                         </p:tgtEl>
@@ -19690,26 +20166,26 @@
                     </p:cTn>
                   </p:par>
                   <p:par>
-                    <p:cTn id="11" fill="hold" nodeType="clickPar">
+                    <p:cTn id="27" fill="hold">
                       <p:stCondLst>
                         <p:cond delay="indefinite"/>
                       </p:stCondLst>
                       <p:childTnLst>
                         <p:par>
-                          <p:cTn id="12" fill="hold" nodeType="withGroup">
+                          <p:cTn id="28" fill="hold">
                             <p:stCondLst>
                               <p:cond delay="0"/>
                             </p:stCondLst>
                             <p:childTnLst>
                               <p:par>
-                                <p:cTn id="13" presetID="15" presetClass="entr" presetSubtype="0" fill="hold" grpId="0" nodeType="clickEffect">
+                                <p:cTn id="29" presetID="15" presetClass="entr" presetSubtype="0" fill="hold" grpId="0" nodeType="clickEffect">
                                   <p:stCondLst>
                                     <p:cond delay="0"/>
                                   </p:stCondLst>
                                   <p:childTnLst>
                                     <p:set>
                                       <p:cBhvr>
-                                        <p:cTn id="14" dur="1" fill="hold">
+                                        <p:cTn id="30" dur="1" fill="hold">
                                           <p:stCondLst>
                                             <p:cond delay="0"/>
                                           </p:stCondLst>
@@ -19727,7 +20203,7 @@
                                     </p:set>
                                     <p:anim calcmode="lin" valueType="num">
                                       <p:cBhvr>
-                                        <p:cTn id="15" dur="1000" fill="hold"/>
+                                        <p:cTn id="31" dur="1000" fill="hold"/>
                                         <p:tgtEl>
                                           <p:spTgt spid="18"/>
                                         </p:tgtEl>
@@ -19750,7 +20226,7 @@
                                     </p:anim>
                                     <p:anim calcmode="lin" valueType="num">
                                       <p:cBhvr>
-                                        <p:cTn id="16" dur="1000" fill="hold"/>
+                                        <p:cTn id="32" dur="1000" fill="hold"/>
                                         <p:tgtEl>
                                           <p:spTgt spid="18"/>
                                         </p:tgtEl>
@@ -19773,7 +20249,7 @@
                                     </p:anim>
                                     <p:anim calcmode="lin" valueType="num">
                                       <p:cBhvr>
-                                        <p:cTn id="17" dur="1000" fill="hold"/>
+                                        <p:cTn id="33" dur="1000" fill="hold"/>
                                         <p:tgtEl>
                                           <p:spTgt spid="18"/>
                                         </p:tgtEl>
@@ -19796,7 +20272,7 @@
                                     </p:anim>
                                     <p:anim calcmode="lin" valueType="num">
                                       <p:cBhvr>
-                                        <p:cTn id="18" dur="1000" fill="hold"/>
+                                        <p:cTn id="34" dur="1000" fill="hold"/>
                                         <p:tgtEl>
                                           <p:spTgt spid="18"/>
                                         </p:tgtEl>
@@ -19827,26 +20303,26 @@
                     </p:cTn>
                   </p:par>
                   <p:par>
-                    <p:cTn id="19" fill="hold" nodeType="clickPar">
+                    <p:cTn id="35" fill="hold">
                       <p:stCondLst>
                         <p:cond delay="indefinite"/>
                       </p:stCondLst>
                       <p:childTnLst>
                         <p:par>
-                          <p:cTn id="20" fill="hold" nodeType="withGroup">
+                          <p:cTn id="36" fill="hold">
                             <p:stCondLst>
                               <p:cond delay="0"/>
                             </p:stCondLst>
                             <p:childTnLst>
                               <p:par>
-                                <p:cTn id="21" presetID="15" presetClass="entr" presetSubtype="0" fill="hold" grpId="0" nodeType="clickEffect">
+                                <p:cTn id="37" presetID="15" presetClass="entr" presetSubtype="0" fill="hold" grpId="0" nodeType="clickEffect">
                                   <p:stCondLst>
                                     <p:cond delay="0"/>
                                   </p:stCondLst>
                                   <p:childTnLst>
                                     <p:set>
                                       <p:cBhvr>
-                                        <p:cTn id="22" dur="1" fill="hold">
+                                        <p:cTn id="38" dur="1" fill="hold">
                                           <p:stCondLst>
                                             <p:cond delay="0"/>
                                           </p:stCondLst>
@@ -19864,7 +20340,7 @@
                                     </p:set>
                                     <p:anim calcmode="lin" valueType="num">
                                       <p:cBhvr>
-                                        <p:cTn id="23" dur="1000" fill="hold"/>
+                                        <p:cTn id="39" dur="1000" fill="hold"/>
                                         <p:tgtEl>
                                           <p:spTgt spid="21"/>
                                         </p:tgtEl>
@@ -19887,7 +20363,7 @@
                                     </p:anim>
                                     <p:anim calcmode="lin" valueType="num">
                                       <p:cBhvr>
-                                        <p:cTn id="24" dur="1000" fill="hold"/>
+                                        <p:cTn id="40" dur="1000" fill="hold"/>
                                         <p:tgtEl>
                                           <p:spTgt spid="21"/>
                                         </p:tgtEl>
@@ -19910,7 +20386,7 @@
                                     </p:anim>
                                     <p:anim calcmode="lin" valueType="num">
                                       <p:cBhvr>
-                                        <p:cTn id="25" dur="1000" fill="hold"/>
+                                        <p:cTn id="41" dur="1000" fill="hold"/>
                                         <p:tgtEl>
                                           <p:spTgt spid="21"/>
                                         </p:tgtEl>
@@ -19933,7 +20409,7 @@
                                     </p:anim>
                                     <p:anim calcmode="lin" valueType="num">
                                       <p:cBhvr>
-                                        <p:cTn id="26" dur="1000" fill="hold"/>
+                                        <p:cTn id="42" dur="1000" fill="hold"/>
                                         <p:tgtEl>
                                           <p:spTgt spid="21"/>
                                         </p:tgtEl>
@@ -19964,26 +20440,26 @@
                     </p:cTn>
                   </p:par>
                   <p:par>
-                    <p:cTn id="27" fill="hold" nodeType="clickPar">
+                    <p:cTn id="43" fill="hold">
                       <p:stCondLst>
                         <p:cond delay="indefinite"/>
                       </p:stCondLst>
                       <p:childTnLst>
                         <p:par>
-                          <p:cTn id="28" fill="hold" nodeType="withGroup">
+                          <p:cTn id="44" fill="hold">
                             <p:stCondLst>
                               <p:cond delay="0"/>
                             </p:stCondLst>
                             <p:childTnLst>
                               <p:par>
-                                <p:cTn id="29" presetID="15" presetClass="entr" presetSubtype="0" fill="hold" grpId="0" nodeType="clickEffect">
+                                <p:cTn id="45" presetID="15" presetClass="entr" presetSubtype="0" fill="hold" grpId="0" nodeType="clickEffect">
                                   <p:stCondLst>
                                     <p:cond delay="0"/>
                                   </p:stCondLst>
                                   <p:childTnLst>
                                     <p:set>
                                       <p:cBhvr>
-                                        <p:cTn id="30" dur="1" fill="hold">
+                                        <p:cTn id="46" dur="1" fill="hold">
                                           <p:stCondLst>
                                             <p:cond delay="0"/>
                                           </p:stCondLst>
@@ -20001,7 +20477,7 @@
                                     </p:set>
                                     <p:anim calcmode="lin" valueType="num">
                                       <p:cBhvr>
-                                        <p:cTn id="31" dur="1000" fill="hold"/>
+                                        <p:cTn id="47" dur="1000" fill="hold"/>
                                         <p:tgtEl>
                                           <p:spTgt spid="23"/>
                                         </p:tgtEl>
@@ -20024,7 +20500,7 @@
                                     </p:anim>
                                     <p:anim calcmode="lin" valueType="num">
                                       <p:cBhvr>
-                                        <p:cTn id="32" dur="1000" fill="hold"/>
+                                        <p:cTn id="48" dur="1000" fill="hold"/>
                                         <p:tgtEl>
                                           <p:spTgt spid="23"/>
                                         </p:tgtEl>
@@ -20047,7 +20523,7 @@
                                     </p:anim>
                                     <p:anim calcmode="lin" valueType="num">
                                       <p:cBhvr>
-                                        <p:cTn id="33" dur="1000" fill="hold"/>
+                                        <p:cTn id="49" dur="1000" fill="hold"/>
                                         <p:tgtEl>
                                           <p:spTgt spid="23"/>
                                         </p:tgtEl>
@@ -20070,7 +20546,7 @@
                                     </p:anim>
                                     <p:anim calcmode="lin" valueType="num">
                                       <p:cBhvr>
-                                        <p:cTn id="34" dur="1000" fill="hold"/>
+                                        <p:cTn id="50" dur="1000" fill="hold"/>
                                         <p:tgtEl>
                                           <p:spTgt spid="23"/>
                                         </p:tgtEl>
@@ -20101,26 +20577,26 @@
                     </p:cTn>
                   </p:par>
                   <p:par>
-                    <p:cTn id="35" fill="hold" nodeType="clickPar">
+                    <p:cTn id="51" fill="hold">
                       <p:stCondLst>
                         <p:cond delay="indefinite"/>
                       </p:stCondLst>
                       <p:childTnLst>
                         <p:par>
-                          <p:cTn id="36" fill="hold" nodeType="withGroup">
+                          <p:cTn id="52" fill="hold">
                             <p:stCondLst>
                               <p:cond delay="0"/>
                             </p:stCondLst>
                             <p:childTnLst>
                               <p:par>
-                                <p:cTn id="37" presetID="15" presetClass="entr" presetSubtype="0" fill="hold" grpId="0" nodeType="clickEffect">
+                                <p:cTn id="53" presetID="15" presetClass="entr" presetSubtype="0" fill="hold" grpId="0" nodeType="clickEffect">
                                   <p:stCondLst>
                                     <p:cond delay="0"/>
                                   </p:stCondLst>
                                   <p:childTnLst>
                                     <p:set>
                                       <p:cBhvr>
-                                        <p:cTn id="38" dur="1" fill="hold">
+                                        <p:cTn id="54" dur="1" fill="hold">
                                           <p:stCondLst>
                                             <p:cond delay="0"/>
                                           </p:stCondLst>
@@ -20138,7 +20614,7 @@
                                     </p:set>
                                     <p:anim calcmode="lin" valueType="num">
                                       <p:cBhvr>
-                                        <p:cTn id="39" dur="1000" fill="hold"/>
+                                        <p:cTn id="55" dur="1000" fill="hold"/>
                                         <p:tgtEl>
                                           <p:spTgt spid="22"/>
                                         </p:tgtEl>
@@ -20161,7 +20637,7 @@
                                     </p:anim>
                                     <p:anim calcmode="lin" valueType="num">
                                       <p:cBhvr>
-                                        <p:cTn id="40" dur="1000" fill="hold"/>
+                                        <p:cTn id="56" dur="1000" fill="hold"/>
                                         <p:tgtEl>
                                           <p:spTgt spid="22"/>
                                         </p:tgtEl>
@@ -20184,7 +20660,7 @@
                                     </p:anim>
                                     <p:anim calcmode="lin" valueType="num">
                                       <p:cBhvr>
-                                        <p:cTn id="41" dur="1000" fill="hold"/>
+                                        <p:cTn id="57" dur="1000" fill="hold"/>
                                         <p:tgtEl>
                                           <p:spTgt spid="22"/>
                                         </p:tgtEl>
@@ -20207,7 +20683,7 @@
                                     </p:anim>
                                     <p:anim calcmode="lin" valueType="num">
                                       <p:cBhvr>
-                                        <p:cTn id="42" dur="1000" fill="hold"/>
+                                        <p:cTn id="58" dur="1000" fill="hold"/>
                                         <p:tgtEl>
                                           <p:spTgt spid="22"/>
                                         </p:tgtEl>
@@ -20238,26 +20714,26 @@
                     </p:cTn>
                   </p:par>
                   <p:par>
-                    <p:cTn id="43" fill="hold" nodeType="clickPar">
+                    <p:cTn id="59" fill="hold">
                       <p:stCondLst>
                         <p:cond delay="indefinite"/>
                       </p:stCondLst>
                       <p:childTnLst>
                         <p:par>
-                          <p:cTn id="44" fill="hold" nodeType="withGroup">
+                          <p:cTn id="60" fill="hold">
                             <p:stCondLst>
                               <p:cond delay="0"/>
                             </p:stCondLst>
                             <p:childTnLst>
                               <p:par>
-                                <p:cTn id="45" presetID="15" presetClass="entr" presetSubtype="0" fill="hold" grpId="0" nodeType="clickEffect">
+                                <p:cTn id="61" presetID="15" presetClass="entr" presetSubtype="0" fill="hold" grpId="0" nodeType="clickEffect">
                                   <p:stCondLst>
                                     <p:cond delay="0"/>
                                   </p:stCondLst>
                                   <p:childTnLst>
                                     <p:set>
                                       <p:cBhvr>
-                                        <p:cTn id="46" dur="1" fill="hold">
+                                        <p:cTn id="62" dur="1" fill="hold">
                                           <p:stCondLst>
                                             <p:cond delay="0"/>
                                           </p:stCondLst>
@@ -20275,7 +20751,7 @@
                                     </p:set>
                                     <p:anim calcmode="lin" valueType="num">
                                       <p:cBhvr>
-                                        <p:cTn id="47" dur="1000" fill="hold"/>
+                                        <p:cTn id="63" dur="1000" fill="hold"/>
                                         <p:tgtEl>
                                           <p:spTgt spid="24"/>
                                         </p:tgtEl>
@@ -20298,7 +20774,7 @@
                                     </p:anim>
                                     <p:anim calcmode="lin" valueType="num">
                                       <p:cBhvr>
-                                        <p:cTn id="48" dur="1000" fill="hold"/>
+                                        <p:cTn id="64" dur="1000" fill="hold"/>
                                         <p:tgtEl>
                                           <p:spTgt spid="24"/>
                                         </p:tgtEl>
@@ -20321,7 +20797,7 @@
                                     </p:anim>
                                     <p:anim calcmode="lin" valueType="num">
                                       <p:cBhvr>
-                                        <p:cTn id="49" dur="1000" fill="hold"/>
+                                        <p:cTn id="65" dur="1000" fill="hold"/>
                                         <p:tgtEl>
                                           <p:spTgt spid="24"/>
                                         </p:tgtEl>
@@ -20344,283 +20820,9 @@
                                     </p:anim>
                                     <p:anim calcmode="lin" valueType="num">
                                       <p:cBhvr>
-                                        <p:cTn id="50" dur="1000" fill="hold"/>
+                                        <p:cTn id="66" dur="1000" fill="hold"/>
                                         <p:tgtEl>
                                           <p:spTgt spid="24"/>
-                                        </p:tgtEl>
-                                        <p:attrNameLst>
-                                          <p:attrName>ppt_y</p:attrName>
-                                        </p:attrNameLst>
-                                      </p:cBhvr>
-                                      <p:tavLst>
-                                        <p:tav tm="0" fmla="#ppt_y+(sin(-2*pi*(1-$))*-#ppt_x+cos(-2*pi*(1-$))*(1-#ppt_y))*(1-$)">
-                                          <p:val>
-                                            <p:fltVal val="0"/>
-                                          </p:val>
-                                        </p:tav>
-                                        <p:tav tm="100000">
-                                          <p:val>
-                                            <p:fltVal val="1"/>
-                                          </p:val>
-                                        </p:tav>
-                                      </p:tavLst>
-                                    </p:anim>
-                                  </p:childTnLst>
-                                </p:cTn>
-                              </p:par>
-                            </p:childTnLst>
-                          </p:cTn>
-                        </p:par>
-                      </p:childTnLst>
-                    </p:cTn>
-                  </p:par>
-                  <p:par>
-                    <p:cTn id="51" fill="hold" nodeType="clickPar">
-                      <p:stCondLst>
-                        <p:cond delay="indefinite"/>
-                      </p:stCondLst>
-                      <p:childTnLst>
-                        <p:par>
-                          <p:cTn id="52" fill="hold" nodeType="withGroup">
-                            <p:stCondLst>
-                              <p:cond delay="0"/>
-                            </p:stCondLst>
-                            <p:childTnLst>
-                              <p:par>
-                                <p:cTn id="53" presetID="15" presetClass="entr" presetSubtype="0" fill="hold" grpId="0" nodeType="clickEffect">
-                                  <p:stCondLst>
-                                    <p:cond delay="0"/>
-                                  </p:stCondLst>
-                                  <p:childTnLst>
-                                    <p:set>
-                                      <p:cBhvr>
-                                        <p:cTn id="54" dur="1" fill="hold">
-                                          <p:stCondLst>
-                                            <p:cond delay="0"/>
-                                          </p:stCondLst>
-                                        </p:cTn>
-                                        <p:tgtEl>
-                                          <p:spTgt spid="25"/>
-                                        </p:tgtEl>
-                                        <p:attrNameLst>
-                                          <p:attrName>style.visibility</p:attrName>
-                                        </p:attrNameLst>
-                                      </p:cBhvr>
-                                      <p:to>
-                                        <p:strVal val="visible"/>
-                                      </p:to>
-                                    </p:set>
-                                    <p:anim calcmode="lin" valueType="num">
-                                      <p:cBhvr>
-                                        <p:cTn id="55" dur="1000" fill="hold"/>
-                                        <p:tgtEl>
-                                          <p:spTgt spid="25"/>
-                                        </p:tgtEl>
-                                        <p:attrNameLst>
-                                          <p:attrName>ppt_w</p:attrName>
-                                        </p:attrNameLst>
-                                      </p:cBhvr>
-                                      <p:tavLst>
-                                        <p:tav tm="0">
-                                          <p:val>
-                                            <p:fltVal val="0"/>
-                                          </p:val>
-                                        </p:tav>
-                                        <p:tav tm="100000">
-                                          <p:val>
-                                            <p:strVal val="#ppt_w"/>
-                                          </p:val>
-                                        </p:tav>
-                                      </p:tavLst>
-                                    </p:anim>
-                                    <p:anim calcmode="lin" valueType="num">
-                                      <p:cBhvr>
-                                        <p:cTn id="56" dur="1000" fill="hold"/>
-                                        <p:tgtEl>
-                                          <p:spTgt spid="25"/>
-                                        </p:tgtEl>
-                                        <p:attrNameLst>
-                                          <p:attrName>ppt_h</p:attrName>
-                                        </p:attrNameLst>
-                                      </p:cBhvr>
-                                      <p:tavLst>
-                                        <p:tav tm="0">
-                                          <p:val>
-                                            <p:fltVal val="0"/>
-                                          </p:val>
-                                        </p:tav>
-                                        <p:tav tm="100000">
-                                          <p:val>
-                                            <p:strVal val="#ppt_h"/>
-                                          </p:val>
-                                        </p:tav>
-                                      </p:tavLst>
-                                    </p:anim>
-                                    <p:anim calcmode="lin" valueType="num">
-                                      <p:cBhvr>
-                                        <p:cTn id="57" dur="1000" fill="hold"/>
-                                        <p:tgtEl>
-                                          <p:spTgt spid="25"/>
-                                        </p:tgtEl>
-                                        <p:attrNameLst>
-                                          <p:attrName>ppt_x</p:attrName>
-                                        </p:attrNameLst>
-                                      </p:cBhvr>
-                                      <p:tavLst>
-                                        <p:tav tm="0" fmla="#ppt_x+(cos(-2*pi*(1-$))*-#ppt_x-sin(-2*pi*(1-$))*(1-#ppt_y))*(1-$)">
-                                          <p:val>
-                                            <p:fltVal val="0"/>
-                                          </p:val>
-                                        </p:tav>
-                                        <p:tav tm="100000">
-                                          <p:val>
-                                            <p:fltVal val="1"/>
-                                          </p:val>
-                                        </p:tav>
-                                      </p:tavLst>
-                                    </p:anim>
-                                    <p:anim calcmode="lin" valueType="num">
-                                      <p:cBhvr>
-                                        <p:cTn id="58" dur="1000" fill="hold"/>
-                                        <p:tgtEl>
-                                          <p:spTgt spid="25"/>
-                                        </p:tgtEl>
-                                        <p:attrNameLst>
-                                          <p:attrName>ppt_y</p:attrName>
-                                        </p:attrNameLst>
-                                      </p:cBhvr>
-                                      <p:tavLst>
-                                        <p:tav tm="0" fmla="#ppt_y+(sin(-2*pi*(1-$))*-#ppt_x+cos(-2*pi*(1-$))*(1-#ppt_y))*(1-$)">
-                                          <p:val>
-                                            <p:fltVal val="0"/>
-                                          </p:val>
-                                        </p:tav>
-                                        <p:tav tm="100000">
-                                          <p:val>
-                                            <p:fltVal val="1"/>
-                                          </p:val>
-                                        </p:tav>
-                                      </p:tavLst>
-                                    </p:anim>
-                                  </p:childTnLst>
-                                </p:cTn>
-                              </p:par>
-                            </p:childTnLst>
-                          </p:cTn>
-                        </p:par>
-                      </p:childTnLst>
-                    </p:cTn>
-                  </p:par>
-                  <p:par>
-                    <p:cTn id="59" fill="hold" nodeType="clickPar">
-                      <p:stCondLst>
-                        <p:cond delay="indefinite"/>
-                      </p:stCondLst>
-                      <p:childTnLst>
-                        <p:par>
-                          <p:cTn id="60" fill="hold" nodeType="withGroup">
-                            <p:stCondLst>
-                              <p:cond delay="0"/>
-                            </p:stCondLst>
-                            <p:childTnLst>
-                              <p:par>
-                                <p:cTn id="61" presetID="15" presetClass="entr" presetSubtype="0" fill="hold" grpId="0" nodeType="clickEffect">
-                                  <p:stCondLst>
-                                    <p:cond delay="0"/>
-                                  </p:stCondLst>
-                                  <p:childTnLst>
-                                    <p:set>
-                                      <p:cBhvr>
-                                        <p:cTn id="62" dur="1" fill="hold">
-                                          <p:stCondLst>
-                                            <p:cond delay="0"/>
-                                          </p:stCondLst>
-                                        </p:cTn>
-                                        <p:tgtEl>
-                                          <p:spTgt spid="26"/>
-                                        </p:tgtEl>
-                                        <p:attrNameLst>
-                                          <p:attrName>style.visibility</p:attrName>
-                                        </p:attrNameLst>
-                                      </p:cBhvr>
-                                      <p:to>
-                                        <p:strVal val="visible"/>
-                                      </p:to>
-                                    </p:set>
-                                    <p:anim calcmode="lin" valueType="num">
-                                      <p:cBhvr>
-                                        <p:cTn id="63" dur="1000" fill="hold"/>
-                                        <p:tgtEl>
-                                          <p:spTgt spid="26"/>
-                                        </p:tgtEl>
-                                        <p:attrNameLst>
-                                          <p:attrName>ppt_w</p:attrName>
-                                        </p:attrNameLst>
-                                      </p:cBhvr>
-                                      <p:tavLst>
-                                        <p:tav tm="0">
-                                          <p:val>
-                                            <p:fltVal val="0"/>
-                                          </p:val>
-                                        </p:tav>
-                                        <p:tav tm="100000">
-                                          <p:val>
-                                            <p:strVal val="#ppt_w"/>
-                                          </p:val>
-                                        </p:tav>
-                                      </p:tavLst>
-                                    </p:anim>
-                                    <p:anim calcmode="lin" valueType="num">
-                                      <p:cBhvr>
-                                        <p:cTn id="64" dur="1000" fill="hold"/>
-                                        <p:tgtEl>
-                                          <p:spTgt spid="26"/>
-                                        </p:tgtEl>
-                                        <p:attrNameLst>
-                                          <p:attrName>ppt_h</p:attrName>
-                                        </p:attrNameLst>
-                                      </p:cBhvr>
-                                      <p:tavLst>
-                                        <p:tav tm="0">
-                                          <p:val>
-                                            <p:fltVal val="0"/>
-                                          </p:val>
-                                        </p:tav>
-                                        <p:tav tm="100000">
-                                          <p:val>
-                                            <p:strVal val="#ppt_h"/>
-                                          </p:val>
-                                        </p:tav>
-                                      </p:tavLst>
-                                    </p:anim>
-                                    <p:anim calcmode="lin" valueType="num">
-                                      <p:cBhvr>
-                                        <p:cTn id="65" dur="1000" fill="hold"/>
-                                        <p:tgtEl>
-                                          <p:spTgt spid="26"/>
-                                        </p:tgtEl>
-                                        <p:attrNameLst>
-                                          <p:attrName>ppt_x</p:attrName>
-                                        </p:attrNameLst>
-                                      </p:cBhvr>
-                                      <p:tavLst>
-                                        <p:tav tm="0" fmla="#ppt_x+(cos(-2*pi*(1-$))*-#ppt_x-sin(-2*pi*(1-$))*(1-#ppt_y))*(1-$)">
-                                          <p:val>
-                                            <p:fltVal val="0"/>
-                                          </p:val>
-                                        </p:tav>
-                                        <p:tav tm="100000">
-                                          <p:val>
-                                            <p:fltVal val="1"/>
-                                          </p:val>
-                                        </p:tav>
-                                      </p:tavLst>
-                                    </p:anim>
-                                    <p:anim calcmode="lin" valueType="num">
-                                      <p:cBhvr>
-                                        <p:cTn id="66" dur="1000" fill="hold"/>
-                                        <p:tgtEl>
-                                          <p:spTgt spid="26"/>
                                         </p:tgtEl>
                                         <p:attrNameLst>
                                           <p:attrName>ppt_y</p:attrName>
@@ -20674,7 +20876,7 @@
                                           </p:stCondLst>
                                         </p:cTn>
                                         <p:tgtEl>
-                                          <p:spTgt spid="28"/>
+                                          <p:spTgt spid="25"/>
                                         </p:tgtEl>
                                         <p:attrNameLst>
                                           <p:attrName>style.visibility</p:attrName>
@@ -20688,7 +20890,7 @@
                                       <p:cBhvr>
                                         <p:cTn id="71" dur="1000" fill="hold"/>
                                         <p:tgtEl>
-                                          <p:spTgt spid="28"/>
+                                          <p:spTgt spid="25"/>
                                         </p:tgtEl>
                                         <p:attrNameLst>
                                           <p:attrName>ppt_w</p:attrName>
@@ -20711,7 +20913,7 @@
                                       <p:cBhvr>
                                         <p:cTn id="72" dur="1000" fill="hold"/>
                                         <p:tgtEl>
-                                          <p:spTgt spid="28"/>
+                                          <p:spTgt spid="25"/>
                                         </p:tgtEl>
                                         <p:attrNameLst>
                                           <p:attrName>ppt_h</p:attrName>
@@ -20734,7 +20936,7 @@
                                       <p:cBhvr>
                                         <p:cTn id="73" dur="1000" fill="hold"/>
                                         <p:tgtEl>
-                                          <p:spTgt spid="28"/>
+                                          <p:spTgt spid="25"/>
                                         </p:tgtEl>
                                         <p:attrNameLst>
                                           <p:attrName>ppt_x</p:attrName>
@@ -20757,7 +20959,7 @@
                                       <p:cBhvr>
                                         <p:cTn id="74" dur="1000" fill="hold"/>
                                         <p:tgtEl>
-                                          <p:spTgt spid="28"/>
+                                          <p:spTgt spid="25"/>
                                         </p:tgtEl>
                                         <p:attrNameLst>
                                           <p:attrName>ppt_y</p:attrName>
@@ -20811,7 +21013,7 @@
                                           </p:stCondLst>
                                         </p:cTn>
                                         <p:tgtEl>
-                                          <p:spTgt spid="29"/>
+                                          <p:spTgt spid="26"/>
                                         </p:tgtEl>
                                         <p:attrNameLst>
                                           <p:attrName>style.visibility</p:attrName>
@@ -20825,7 +21027,7 @@
                                       <p:cBhvr>
                                         <p:cTn id="79" dur="1000" fill="hold"/>
                                         <p:tgtEl>
-                                          <p:spTgt spid="29"/>
+                                          <p:spTgt spid="26"/>
                                         </p:tgtEl>
                                         <p:attrNameLst>
                                           <p:attrName>ppt_w</p:attrName>
@@ -20848,7 +21050,7 @@
                                       <p:cBhvr>
                                         <p:cTn id="80" dur="1000" fill="hold"/>
                                         <p:tgtEl>
-                                          <p:spTgt spid="29"/>
+                                          <p:spTgt spid="26"/>
                                         </p:tgtEl>
                                         <p:attrNameLst>
                                           <p:attrName>ppt_h</p:attrName>
@@ -20871,7 +21073,7 @@
                                       <p:cBhvr>
                                         <p:cTn id="81" dur="1000" fill="hold"/>
                                         <p:tgtEl>
-                                          <p:spTgt spid="29"/>
+                                          <p:spTgt spid="26"/>
                                         </p:tgtEl>
                                         <p:attrNameLst>
                                           <p:attrName>ppt_x</p:attrName>
@@ -20894,7 +21096,7 @@
                                       <p:cBhvr>
                                         <p:cTn id="82" dur="1000" fill="hold"/>
                                         <p:tgtEl>
-                                          <p:spTgt spid="29"/>
+                                          <p:spTgt spid="26"/>
                                         </p:tgtEl>
                                         <p:attrNameLst>
                                           <p:attrName>ppt_y</p:attrName>
@@ -22069,7 +22271,7 @@
                                           </p:stCondLst>
                                         </p:cTn>
                                         <p:tgtEl>
-                                          <p:spTgt spid="16"/>
+                                          <p:spTgt spid="11"/>
                                         </p:tgtEl>
                                         <p:attrNameLst>
                                           <p:attrName>style.visibility</p:attrName>
@@ -22083,7 +22285,7 @@
                                       <p:cBhvr>
                                         <p:cTn id="17" dur="500"/>
                                         <p:tgtEl>
-                                          <p:spTgt spid="16"/>
+                                          <p:spTgt spid="11"/>
                                         </p:tgtEl>
                                       </p:cBhvr>
                                     </p:animEffect>
@@ -22097,13 +22299,13 @@
                     </p:cTn>
                   </p:par>
                   <p:par>
-                    <p:cTn id="18" fill="hold" nodeType="clickPar">
+                    <p:cTn id="18" fill="hold">
                       <p:stCondLst>
                         <p:cond delay="indefinite"/>
                       </p:stCondLst>
                       <p:childTnLst>
                         <p:par>
-                          <p:cTn id="19" fill="hold" nodeType="withGroup">
+                          <p:cTn id="19" fill="hold">
                             <p:stCondLst>
                               <p:cond delay="0"/>
                             </p:stCondLst>
@@ -22122,7 +22324,7 @@
                                           </p:stCondLst>
                                         </p:cTn>
                                         <p:tgtEl>
-                                          <p:spTgt spid="17"/>
+                                          <p:spTgt spid="16"/>
                                         </p:tgtEl>
                                         <p:attrNameLst>
                                           <p:attrName>style.visibility</p:attrName>
@@ -22136,7 +22338,7 @@
                                       <p:cBhvr>
                                         <p:cTn id="22" dur="500"/>
                                         <p:tgtEl>
-                                          <p:spTgt spid="17"/>
+                                          <p:spTgt spid="16"/>
                                         </p:tgtEl>
                                       </p:cBhvr>
                                     </p:animEffect>
@@ -22150,13 +22352,13 @@
                     </p:cTn>
                   </p:par>
                   <p:par>
-                    <p:cTn id="23" fill="hold" nodeType="clickPar">
+                    <p:cTn id="23" fill="hold">
                       <p:stCondLst>
                         <p:cond delay="indefinite"/>
                       </p:stCondLst>
                       <p:childTnLst>
                         <p:par>
-                          <p:cTn id="24" fill="hold" nodeType="withGroup">
+                          <p:cTn id="24" fill="hold">
                             <p:stCondLst>
                               <p:cond delay="0"/>
                             </p:stCondLst>
@@ -22175,7 +22377,7 @@
                                           </p:stCondLst>
                                         </p:cTn>
                                         <p:tgtEl>
-                                          <p:spTgt spid="18"/>
+                                          <p:spTgt spid="17"/>
                                         </p:tgtEl>
                                         <p:attrNameLst>
                                           <p:attrName>style.visibility</p:attrName>
@@ -22189,7 +22391,7 @@
                                       <p:cBhvr>
                                         <p:cTn id="27" dur="500"/>
                                         <p:tgtEl>
-                                          <p:spTgt spid="18"/>
+                                          <p:spTgt spid="17"/>
                                         </p:tgtEl>
                                       </p:cBhvr>
                                     </p:animEffect>
@@ -22228,7 +22430,7 @@
                                           </p:stCondLst>
                                         </p:cTn>
                                         <p:tgtEl>
-                                          <p:spTgt spid="11"/>
+                                          <p:spTgt spid="18"/>
                                         </p:tgtEl>
                                         <p:attrNameLst>
                                           <p:attrName>style.visibility</p:attrName>
@@ -22242,7 +22444,7 @@
                                       <p:cBhvr>
                                         <p:cTn id="32" dur="500"/>
                                         <p:tgtEl>
-                                          <p:spTgt spid="11"/>
+                                          <p:spTgt spid="18"/>
                                         </p:tgtEl>
                                       </p:cBhvr>
                                     </p:animEffect>
@@ -23186,7 +23388,7 @@
                                           </p:stCondLst>
                                         </p:cTn>
                                         <p:tgtEl>
-                                          <p:spTgt spid="16"/>
+                                          <p:spTgt spid="11"/>
                                         </p:tgtEl>
                                         <p:attrNameLst>
                                           <p:attrName>style.visibility</p:attrName>
@@ -23200,7 +23402,7 @@
                                       <p:cBhvr>
                                         <p:cTn id="12" dur="500"/>
                                         <p:tgtEl>
-                                          <p:spTgt spid="16"/>
+                                          <p:spTgt spid="11"/>
                                         </p:tgtEl>
                                       </p:cBhvr>
                                     </p:animEffect>
@@ -23214,13 +23416,13 @@
                     </p:cTn>
                   </p:par>
                   <p:par>
-                    <p:cTn id="13" fill="hold" nodeType="clickPar">
+                    <p:cTn id="13" fill="hold">
                       <p:stCondLst>
                         <p:cond delay="indefinite"/>
                       </p:stCondLst>
                       <p:childTnLst>
                         <p:par>
-                          <p:cTn id="14" fill="hold" nodeType="withGroup">
+                          <p:cTn id="14" fill="hold">
                             <p:stCondLst>
                               <p:cond delay="0"/>
                             </p:stCondLst>
@@ -23239,7 +23441,7 @@
                                           </p:stCondLst>
                                         </p:cTn>
                                         <p:tgtEl>
-                                          <p:spTgt spid="17"/>
+                                          <p:spTgt spid="16"/>
                                         </p:tgtEl>
                                         <p:attrNameLst>
                                           <p:attrName>style.visibility</p:attrName>
@@ -23253,7 +23455,7 @@
                                       <p:cBhvr>
                                         <p:cTn id="17" dur="500"/>
                                         <p:tgtEl>
-                                          <p:spTgt spid="17"/>
+                                          <p:spTgt spid="16"/>
                                         </p:tgtEl>
                                       </p:cBhvr>
                                     </p:animEffect>
@@ -23267,13 +23469,13 @@
                     </p:cTn>
                   </p:par>
                   <p:par>
-                    <p:cTn id="18" fill="hold" nodeType="clickPar">
+                    <p:cTn id="18" fill="hold">
                       <p:stCondLst>
                         <p:cond delay="indefinite"/>
                       </p:stCondLst>
                       <p:childTnLst>
                         <p:par>
-                          <p:cTn id="19" fill="hold" nodeType="withGroup">
+                          <p:cTn id="19" fill="hold">
                             <p:stCondLst>
                               <p:cond delay="0"/>
                             </p:stCondLst>
@@ -23292,7 +23494,7 @@
                                           </p:stCondLst>
                                         </p:cTn>
                                         <p:tgtEl>
-                                          <p:spTgt spid="18"/>
+                                          <p:spTgt spid="17"/>
                                         </p:tgtEl>
                                         <p:attrNameLst>
                                           <p:attrName>style.visibility</p:attrName>
@@ -23306,7 +23508,7 @@
                                       <p:cBhvr>
                                         <p:cTn id="22" dur="500"/>
                                         <p:tgtEl>
-                                          <p:spTgt spid="18"/>
+                                          <p:spTgt spid="17"/>
                                         </p:tgtEl>
                                       </p:cBhvr>
                                     </p:animEffect>
@@ -23345,7 +23547,7 @@
                                           </p:stCondLst>
                                         </p:cTn>
                                         <p:tgtEl>
-                                          <p:spTgt spid="11"/>
+                                          <p:spTgt spid="18"/>
                                         </p:tgtEl>
                                         <p:attrNameLst>
                                           <p:attrName>style.visibility</p:attrName>
@@ -23359,7 +23561,7 @@
                                       <p:cBhvr>
                                         <p:cTn id="27" dur="500"/>
                                         <p:tgtEl>
-                                          <p:spTgt spid="11"/>
+                                          <p:spTgt spid="18"/>
                                         </p:tgtEl>
                                       </p:cBhvr>
                                     </p:animEffect>
@@ -25063,7 +25265,7 @@
           <a:graphicData uri="http://schemas.openxmlformats.org/presentationml/2006/ole">
             <mc:AlternateContent xmlns:mc="http://schemas.openxmlformats.org/markup-compatibility/2006">
               <mc:Choice xmlns:v="urn:schemas-microsoft-com:vml" Requires="v">
-                <p:oleObj spid="_x0000_s28717" name="Imagen" r:id="rId3" imgW="3675063" imgH="1587500" progId="MS_ClipArt_Gallery.2">
+                <p:oleObj spid="_x0000_s28718" name="Imagen" r:id="rId3" imgW="3675063" imgH="1587500" progId="MS_ClipArt_Gallery.2">
                   <p:embed/>
                 </p:oleObj>
               </mc:Choice>
@@ -27826,7 +28028,7 @@
           <a:graphicData uri="http://schemas.openxmlformats.org/presentationml/2006/ole">
             <mc:AlternateContent xmlns:mc="http://schemas.openxmlformats.org/markup-compatibility/2006">
               <mc:Choice xmlns:v="urn:schemas-microsoft-com:vml" Requires="v">
-                <p:oleObj spid="_x0000_s29874" name="Imagen" r:id="rId3" imgW="3676650" imgH="1965325" progId="MS_ClipArt_Gallery.2">
+                <p:oleObj spid="_x0000_s29878" name="Imagen" r:id="rId3" imgW="3676650" imgH="1965325" progId="MS_ClipArt_Gallery.2">
                   <p:embed/>
                 </p:oleObj>
               </mc:Choice>
@@ -27993,7 +28195,7 @@
           <a:graphicData uri="http://schemas.openxmlformats.org/presentationml/2006/ole">
             <mc:AlternateContent xmlns:mc="http://schemas.openxmlformats.org/markup-compatibility/2006">
               <mc:Choice xmlns:v="urn:schemas-microsoft-com:vml" Requires="v">
-                <p:oleObj spid="_x0000_s29875" name="Imagen" r:id="rId5" imgW="2012950" imgH="977900" progId="MS_ClipArt_Gallery.2">
+                <p:oleObj spid="_x0000_s29879" name="Imagen" r:id="rId5" imgW="2012950" imgH="977900" progId="MS_ClipArt_Gallery.2">
                   <p:embed/>
                 </p:oleObj>
               </mc:Choice>
@@ -28147,7 +28349,7 @@
           <a:graphicData uri="http://schemas.openxmlformats.org/presentationml/2006/ole">
             <mc:AlternateContent xmlns:mc="http://schemas.openxmlformats.org/markup-compatibility/2006">
               <mc:Choice xmlns:v="urn:schemas-microsoft-com:vml" Requires="v">
-                <p:oleObj spid="_x0000_s29876" name="Imagen" r:id="rId7" imgW="1912938" imgH="1168400" progId="MS_ClipArt_Gallery.2">
+                <p:oleObj spid="_x0000_s29880" name="Imagen" r:id="rId7" imgW="1912938" imgH="1168400" progId="MS_ClipArt_Gallery.2">
                   <p:embed/>
                 </p:oleObj>
               </mc:Choice>
@@ -28240,7 +28442,7 @@
           <a:graphicData uri="http://schemas.openxmlformats.org/presentationml/2006/ole">
             <mc:AlternateContent xmlns:mc="http://schemas.openxmlformats.org/markup-compatibility/2006">
               <mc:Choice xmlns:v="urn:schemas-microsoft-com:vml" Requires="v">
-                <p:oleObj spid="_x0000_s29877" name="Imagen" r:id="rId9" imgW="2697163" imgH="2465388" progId="MS_ClipArt_Gallery.2">
+                <p:oleObj spid="_x0000_s29881" name="Imagen" r:id="rId9" imgW="2697163" imgH="2465388" progId="MS_ClipArt_Gallery.2">
                   <p:embed/>
                 </p:oleObj>
               </mc:Choice>
